--- a/FinalTask_Jubelio_QA_Bambang Satrio Gandhi.pptx
+++ b/FinalTask_Jubelio_QA_Bambang Satrio Gandhi.pptx
@@ -5,7 +5,7 @@
     <p:sldMasterId id="2147483659" r:id="rId1"/>
   </p:sldMasterIdLst>
   <p:notesMasterIdLst>
-    <p:notesMasterId r:id="rId10"/>
+    <p:notesMasterId r:id="rId11"/>
   </p:notesMasterIdLst>
   <p:sldIdLst>
     <p:sldId id="256" r:id="rId2"/>
@@ -13,40 +13,48 @@
     <p:sldId id="259" r:id="rId4"/>
     <p:sldId id="264" r:id="rId5"/>
     <p:sldId id="260" r:id="rId6"/>
-    <p:sldId id="261" r:id="rId7"/>
-    <p:sldId id="262" r:id="rId8"/>
-    <p:sldId id="263" r:id="rId9"/>
+    <p:sldId id="265" r:id="rId7"/>
+    <p:sldId id="261" r:id="rId8"/>
+    <p:sldId id="262" r:id="rId9"/>
+    <p:sldId id="263" r:id="rId10"/>
   </p:sldIdLst>
   <p:sldSz cx="9144000" cy="5143500" type="screen16x9"/>
   <p:notesSz cx="6858000" cy="9144000"/>
   <p:embeddedFontLst>
     <p:embeddedFont>
+      <p:font typeface="Calibri" panose="020F0502020204030204" pitchFamily="34" charset="0"/>
+      <p:regular r:id="rId12"/>
+      <p:bold r:id="rId13"/>
+      <p:italic r:id="rId14"/>
+      <p:boldItalic r:id="rId15"/>
+    </p:embeddedFont>
+    <p:embeddedFont>
       <p:font typeface="Rubik" panose="020B0604020202020204" charset="-79"/>
-      <p:regular r:id="rId11"/>
-      <p:bold r:id="rId12"/>
-      <p:italic r:id="rId13"/>
-      <p:boldItalic r:id="rId14"/>
+      <p:regular r:id="rId16"/>
+      <p:bold r:id="rId17"/>
+      <p:italic r:id="rId18"/>
+      <p:boldItalic r:id="rId19"/>
     </p:embeddedFont>
     <p:embeddedFont>
       <p:font typeface="Rubik Light" panose="020B0604020202020204" charset="-79"/>
-      <p:regular r:id="rId15"/>
-      <p:bold r:id="rId16"/>
-      <p:italic r:id="rId17"/>
-      <p:boldItalic r:id="rId18"/>
+      <p:regular r:id="rId20"/>
+      <p:bold r:id="rId21"/>
+      <p:italic r:id="rId22"/>
+      <p:boldItalic r:id="rId23"/>
     </p:embeddedFont>
     <p:embeddedFont>
       <p:font typeface="Rubik Medium" panose="020B0604020202020204" charset="-79"/>
-      <p:regular r:id="rId19"/>
-      <p:bold r:id="rId20"/>
-      <p:italic r:id="rId21"/>
-      <p:boldItalic r:id="rId22"/>
+      <p:regular r:id="rId24"/>
+      <p:bold r:id="rId25"/>
+      <p:italic r:id="rId26"/>
+      <p:boldItalic r:id="rId27"/>
     </p:embeddedFont>
     <p:embeddedFont>
       <p:font typeface="Rubik SemiBold" panose="020B0604020202020204" charset="-79"/>
-      <p:regular r:id="rId23"/>
-      <p:bold r:id="rId24"/>
-      <p:italic r:id="rId25"/>
-      <p:boldItalic r:id="rId26"/>
+      <p:regular r:id="rId28"/>
+      <p:bold r:id="rId29"/>
+      <p:italic r:id="rId30"/>
+      <p:boldItalic r:id="rId31"/>
     </p:embeddedFont>
   </p:embeddedFontLst>
   <p:defaultTextStyle>
@@ -1268,6 +1276,115 @@
   <p:cSld>
     <p:spTree>
       <p:nvGrpSpPr>
+        <p:cNvPr id="1" name="Shape 99"/>
+        <p:cNvGrpSpPr/>
+        <p:nvPr/>
+      </p:nvGrpSpPr>
+      <p:grpSpPr>
+        <a:xfrm>
+          <a:off x="0" y="0"/>
+          <a:ext cx="0" cy="0"/>
+          <a:chOff x="0" y="0"/>
+          <a:chExt cx="0" cy="0"/>
+        </a:xfrm>
+      </p:grpSpPr>
+      <p:sp>
+        <p:nvSpPr>
+          <p:cNvPr id="100" name="Google Shape;100;g2200da5092a_0_136:notes"/>
+          <p:cNvSpPr>
+            <a:spLocks noGrp="1" noRot="1" noChangeAspect="1"/>
+          </p:cNvSpPr>
+          <p:nvPr>
+            <p:ph type="sldImg" idx="2"/>
+          </p:nvPr>
+        </p:nvSpPr>
+        <p:spPr>
+          <a:xfrm>
+            <a:off x="381000" y="685800"/>
+            <a:ext cx="6096000" cy="3429000"/>
+          </a:xfrm>
+          <a:custGeom>
+            <a:avLst/>
+            <a:gdLst/>
+            <a:ahLst/>
+            <a:cxnLst/>
+            <a:rect l="l" t="t" r="r" b="b"/>
+            <a:pathLst>
+              <a:path w="120000" h="120000" extrusionOk="0">
+                <a:moveTo>
+                  <a:pt x="0" y="0"/>
+                </a:moveTo>
+                <a:lnTo>
+                  <a:pt x="120000" y="0"/>
+                </a:lnTo>
+                <a:lnTo>
+                  <a:pt x="120000" y="120000"/>
+                </a:lnTo>
+                <a:lnTo>
+                  <a:pt x="0" y="120000"/>
+                </a:lnTo>
+                <a:close/>
+              </a:path>
+            </a:pathLst>
+          </a:custGeom>
+        </p:spPr>
+      </p:sp>
+      <p:sp>
+        <p:nvSpPr>
+          <p:cNvPr id="101" name="Google Shape;101;g2200da5092a_0_136:notes"/>
+          <p:cNvSpPr txBox="1">
+            <a:spLocks noGrp="1"/>
+          </p:cNvSpPr>
+          <p:nvPr>
+            <p:ph type="body" idx="1"/>
+          </p:nvPr>
+        </p:nvSpPr>
+        <p:spPr>
+          <a:xfrm>
+            <a:off x="685800" y="4343400"/>
+            <a:ext cx="5486400" cy="4114800"/>
+          </a:xfrm>
+          <a:prstGeom prst="rect">
+            <a:avLst/>
+          </a:prstGeom>
+        </p:spPr>
+        <p:txBody>
+          <a:bodyPr spcFirstLastPara="1" wrap="square" lIns="91425" tIns="91425" rIns="91425" bIns="91425" anchor="t" anchorCtr="0">
+            <a:noAutofit/>
+          </a:bodyPr>
+          <a:lstStyle/>
+          <a:p>
+            <a:pPr marL="0" lvl="0" indent="0" algn="l" rtl="0">
+              <a:spcBef>
+                <a:spcPts val="0"/>
+              </a:spcBef>
+              <a:spcAft>
+                <a:spcPts val="0"/>
+              </a:spcAft>
+              <a:buNone/>
+            </a:pPr>
+            <a:endParaRPr/>
+          </a:p>
+        </p:txBody>
+      </p:sp>
+    </p:spTree>
+    <p:extLst>
+      <p:ext uri="{BB962C8B-B14F-4D97-AF65-F5344CB8AC3E}">
+        <p14:creationId xmlns:p14="http://schemas.microsoft.com/office/powerpoint/2010/main" val="1903443138"/>
+      </p:ext>
+    </p:extLst>
+  </p:cSld>
+  <p:clrMapOvr>
+    <a:masterClrMapping/>
+  </p:clrMapOvr>
+</p:notes>
+</file>
+
+<file path=ppt/notesSlides/notesSlide7.xml><?xml version="1.0" encoding="utf-8"?>
+<p:notes xmlns:a="http://schemas.openxmlformats.org/drawingml/2006/main" xmlns:r="http://schemas.openxmlformats.org/officeDocument/2006/relationships" xmlns:p="http://schemas.openxmlformats.org/presentationml/2006/main" showMasterSp="0" showMasterPhAnim="0">
+  <p:cSld>
+    <p:spTree>
+      <p:nvGrpSpPr>
         <p:cNvPr id="1" name="Shape 107"/>
         <p:cNvGrpSpPr/>
         <p:nvPr/>
@@ -1367,7 +1484,7 @@
 </p:notes>
 </file>
 
-<file path=ppt/notesSlides/notesSlide7.xml><?xml version="1.0" encoding="utf-8"?>
+<file path=ppt/notesSlides/notesSlide8.xml><?xml version="1.0" encoding="utf-8"?>
 <p:notes xmlns:a="http://schemas.openxmlformats.org/drawingml/2006/main" xmlns:r="http://schemas.openxmlformats.org/officeDocument/2006/relationships" xmlns:p="http://schemas.openxmlformats.org/presentationml/2006/main" showMasterSp="0" showMasterPhAnim="0">
   <p:cSld>
     <p:spTree>
@@ -1471,7 +1588,7 @@
 </p:notes>
 </file>
 
-<file path=ppt/notesSlides/notesSlide8.xml><?xml version="1.0" encoding="utf-8"?>
+<file path=ppt/notesSlides/notesSlide9.xml><?xml version="1.0" encoding="utf-8"?>
 <p:notes xmlns:a="http://schemas.openxmlformats.org/drawingml/2006/main" xmlns:r="http://schemas.openxmlformats.org/officeDocument/2006/relationships" xmlns:p="http://schemas.openxmlformats.org/presentationml/2006/main" showMasterSp="0" showMasterPhAnim="0">
   <p:cSld>
     <p:spTree>
@@ -6929,8 +7046,8 @@
         </p:nvSpPr>
         <p:spPr>
           <a:xfrm>
-            <a:off x="5095575" y="1848125"/>
-            <a:ext cx="28500" cy="991800"/>
+            <a:off x="5095574" y="1848124"/>
+            <a:ext cx="45719" cy="2096721"/>
           </a:xfrm>
           <a:prstGeom prst="rect">
             <a:avLst/>
@@ -9426,6 +9543,208 @@
         </p:nvSpPr>
         <p:spPr>
           <a:xfrm>
+            <a:off x="340500" y="666462"/>
+            <a:ext cx="8463000" cy="954300"/>
+          </a:xfrm>
+          <a:prstGeom prst="rect">
+            <a:avLst/>
+          </a:prstGeom>
+          <a:noFill/>
+          <a:ln>
+            <a:noFill/>
+          </a:ln>
+          <a:effectLst>
+            <a:outerShdw blurRad="57150" dist="19050" dir="2820000" algn="bl" rotWithShape="0">
+              <a:srgbClr val="B7B7B7">
+                <a:alpha val="86000"/>
+              </a:srgbClr>
+            </a:outerShdw>
+          </a:effectLst>
+        </p:spPr>
+        <p:txBody>
+          <a:bodyPr spcFirstLastPara="1" wrap="square" lIns="91425" tIns="91425" rIns="91425" bIns="91425" anchor="t" anchorCtr="0">
+            <a:spAutoFit/>
+          </a:bodyPr>
+          <a:lstStyle/>
+          <a:p>
+            <a:pPr marL="0" lvl="0" indent="0" algn="ctr" rtl="0">
+              <a:spcBef>
+                <a:spcPts val="0"/>
+              </a:spcBef>
+              <a:spcAft>
+                <a:spcPts val="0"/>
+              </a:spcAft>
+              <a:buNone/>
+            </a:pPr>
+            <a:r>
+              <a:rPr lang="en" sz="5000" b="1" dirty="0">
+                <a:latin typeface="Rubik"/>
+                <a:ea typeface="Rubik"/>
+                <a:cs typeface="Rubik"/>
+                <a:sym typeface="Rubik"/>
+              </a:rPr>
+              <a:t>TEST CASE</a:t>
+            </a:r>
+            <a:endParaRPr sz="5000" b="1" dirty="0">
+              <a:latin typeface="Rubik"/>
+              <a:ea typeface="Rubik"/>
+              <a:cs typeface="Rubik"/>
+              <a:sym typeface="Rubik"/>
+            </a:endParaRPr>
+          </a:p>
+        </p:txBody>
+      </p:sp>
+      <p:pic>
+        <p:nvPicPr>
+          <p:cNvPr id="105" name="Google Shape;105;p17"/>
+          <p:cNvPicPr preferRelativeResize="0"/>
+          <p:nvPr/>
+        </p:nvPicPr>
+        <p:blipFill rotWithShape="1">
+          <a:blip r:embed="rId4">
+            <a:alphaModFix/>
+          </a:blip>
+          <a:srcRect t="5658" b="5649"/>
+          <a:stretch/>
+        </p:blipFill>
+        <p:spPr>
+          <a:xfrm>
+            <a:off x="7317600" y="185625"/>
+            <a:ext cx="1399902" cy="541300"/>
+          </a:xfrm>
+          <a:prstGeom prst="rect">
+            <a:avLst/>
+          </a:prstGeom>
+          <a:noFill/>
+          <a:ln>
+            <a:noFill/>
+          </a:ln>
+        </p:spPr>
+      </p:pic>
+      <p:sp>
+        <p:nvSpPr>
+          <p:cNvPr id="106" name="Google Shape;106;p17"/>
+          <p:cNvSpPr txBox="1"/>
+          <p:nvPr/>
+        </p:nvSpPr>
+        <p:spPr>
+          <a:xfrm>
+            <a:off x="383550" y="1865268"/>
+            <a:ext cx="8376900" cy="2123628"/>
+          </a:xfrm>
+          <a:prstGeom prst="rect">
+            <a:avLst/>
+          </a:prstGeom>
+          <a:noFill/>
+          <a:ln>
+            <a:noFill/>
+          </a:ln>
+        </p:spPr>
+        <p:txBody>
+          <a:bodyPr spcFirstLastPara="1" wrap="square" lIns="91425" tIns="91425" rIns="91425" bIns="91425" anchor="t" anchorCtr="0">
+            <a:spAutoFit/>
+          </a:bodyPr>
+          <a:lstStyle/>
+          <a:p>
+            <a:pPr marL="0" marR="0">
+              <a:spcBef>
+                <a:spcPts val="0"/>
+              </a:spcBef>
+              <a:spcAft>
+                <a:spcPts val="0"/>
+              </a:spcAft>
+            </a:pPr>
+            <a:r>
+              <a:rPr lang="en-US" sz="1800" dirty="0">
+                <a:effectLst/>
+                <a:latin typeface="Calibri" panose="020F0502020204030204" pitchFamily="34" charset="0"/>
+                <a:hlinkClick r:id="rId5"/>
+              </a:rPr>
+              <a:t>https://itsdandisatrio.atlassian.net/browse/JP01-2?atlOrigin=eyJpIjoiNjdmMTdmNGI2Mzc5NGZmZGIzM2E4OWU1NDZjMjg1MjMiLCJwIjoiaiJ9</a:t>
+            </a:r>
+            <a:br>
+              <a:rPr lang="en-US" sz="1800" dirty="0">
+                <a:effectLst/>
+                <a:latin typeface="Calibri" panose="020F0502020204030204" pitchFamily="34" charset="0"/>
+              </a:rPr>
+            </a:br>
+            <a:br>
+              <a:rPr lang="en-US" sz="1800" dirty="0">
+                <a:effectLst/>
+                <a:latin typeface="Calibri" panose="020F0502020204030204" pitchFamily="34" charset="0"/>
+              </a:rPr>
+            </a:br>
+            <a:r>
+              <a:rPr lang="en-US" sz="1800" dirty="0">
+                <a:effectLst/>
+                <a:latin typeface="Calibri" panose="020F0502020204030204" pitchFamily="34" charset="0"/>
+              </a:rPr>
+              <a:t>https://itsdandisatrio.atlassian.net/browse/JP01-2?atlOrigin=eyJpIjoiZDc5OTA4ZWEwYjI2NDI2NWI2YmY3YTQwMTU5OTY2ZDQiLCJwIjoiaiJ9</a:t>
+            </a:r>
+          </a:p>
+        </p:txBody>
+      </p:sp>
+    </p:spTree>
+  </p:cSld>
+  <p:clrMapOvr>
+    <a:masterClrMapping/>
+  </p:clrMapOvr>
+</p:sld>
+</file>
+
+<file path=ppt/slides/slide6.xml><?xml version="1.0" encoding="utf-8"?>
+<p:sld xmlns:a="http://schemas.openxmlformats.org/drawingml/2006/main" xmlns:r="http://schemas.openxmlformats.org/officeDocument/2006/relationships" xmlns:p="http://schemas.openxmlformats.org/presentationml/2006/main">
+  <p:cSld>
+    <p:spTree>
+      <p:nvGrpSpPr>
+        <p:cNvPr id="1" name="Shape 102"/>
+        <p:cNvGrpSpPr/>
+        <p:nvPr/>
+      </p:nvGrpSpPr>
+      <p:grpSpPr>
+        <a:xfrm>
+          <a:off x="0" y="0"/>
+          <a:ext cx="0" cy="0"/>
+          <a:chOff x="0" y="0"/>
+          <a:chExt cx="0" cy="0"/>
+        </a:xfrm>
+      </p:grpSpPr>
+      <p:pic>
+        <p:nvPicPr>
+          <p:cNvPr id="103" name="Google Shape;103;p17"/>
+          <p:cNvPicPr preferRelativeResize="0"/>
+          <p:nvPr/>
+        </p:nvPicPr>
+        <p:blipFill>
+          <a:blip r:embed="rId3">
+            <a:alphaModFix amt="5000"/>
+          </a:blip>
+          <a:stretch>
+            <a:fillRect/>
+          </a:stretch>
+        </p:blipFill>
+        <p:spPr>
+          <a:xfrm>
+            <a:off x="0" y="0"/>
+            <a:ext cx="9144001" cy="5143501"/>
+          </a:xfrm>
+          <a:prstGeom prst="rect">
+            <a:avLst/>
+          </a:prstGeom>
+          <a:noFill/>
+          <a:ln>
+            <a:noFill/>
+          </a:ln>
+        </p:spPr>
+      </p:pic>
+      <p:sp>
+        <p:nvSpPr>
+          <p:cNvPr id="104" name="Google Shape;104;p17"/>
+          <p:cNvSpPr txBox="1"/>
+          <p:nvPr/>
+        </p:nvSpPr>
+        <p:spPr>
+          <a:xfrm>
             <a:off x="340500" y="1899838"/>
             <a:ext cx="8463000" cy="954300"/>
           </a:xfrm>
@@ -9460,15 +9779,15 @@
               <a:buNone/>
             </a:pPr>
             <a:r>
-              <a:rPr lang="en" sz="5000" b="1">
-                <a:latin typeface="Rubik"/>
-                <a:ea typeface="Rubik"/>
-                <a:cs typeface="Rubik"/>
-                <a:sym typeface="Rubik"/>
-              </a:rPr>
-              <a:t>Insert Your Result Here</a:t>
-            </a:r>
-            <a:endParaRPr sz="5000" b="1">
+              <a:rPr lang="en" sz="5000" b="1" dirty="0">
+                <a:latin typeface="Rubik"/>
+                <a:ea typeface="Rubik"/>
+                <a:cs typeface="Rubik"/>
+                <a:sym typeface="Rubik"/>
+              </a:rPr>
+              <a:t>API TESTING</a:t>
+            </a:r>
+            <a:endParaRPr sz="5000" b="1" dirty="0">
               <a:latin typeface="Rubik"/>
               <a:ea typeface="Rubik"/>
               <a:cs typeface="Rubik"/>
@@ -9513,7 +9832,7 @@
         <p:spPr>
           <a:xfrm>
             <a:off x="340500" y="2843463"/>
-            <a:ext cx="8376900" cy="615600"/>
+            <a:ext cx="8376900" cy="461635"/>
           </a:xfrm>
           <a:prstGeom prst="rect">
             <a:avLst/>
@@ -9529,52 +9848,35 @@
           </a:bodyPr>
           <a:lstStyle/>
           <a:p>
-            <a:pPr marL="0" lvl="0" indent="0" algn="ctr" rtl="0">
-              <a:spcBef>
-                <a:spcPts val="0"/>
-              </a:spcBef>
-              <a:spcAft>
-                <a:spcPts val="0"/>
-              </a:spcAft>
-              <a:buNone/>
+            <a:pPr marL="0" marR="0" algn="ctr">
+              <a:spcBef>
+                <a:spcPts val="0"/>
+              </a:spcBef>
+              <a:spcAft>
+                <a:spcPts val="0"/>
+              </a:spcAft>
             </a:pPr>
             <a:r>
-              <a:rPr lang="en">
-                <a:latin typeface="Rubik"/>
-                <a:ea typeface="Rubik"/>
-                <a:cs typeface="Rubik"/>
-                <a:sym typeface="Rubik"/>
-              </a:rPr>
-              <a:t>You can add </a:t>
-            </a:r>
-            <a:r>
-              <a:rPr lang="en" b="1">
-                <a:latin typeface="Rubik"/>
-                <a:ea typeface="Rubik"/>
-                <a:cs typeface="Rubik"/>
-                <a:sym typeface="Rubik"/>
-              </a:rPr>
-              <a:t>image and details of your </a:t>
-            </a:r>
-            <a:r>
-              <a:rPr lang="en">
-                <a:latin typeface="Rubik"/>
-                <a:ea typeface="Rubik"/>
-                <a:cs typeface="Rubik"/>
-                <a:sym typeface="Rubik"/>
-              </a:rPr>
-              <a:t>result. You can add an explanation of how you got the result also.</a:t>
-            </a:r>
-            <a:endParaRPr>
-              <a:latin typeface="Rubik"/>
-              <a:ea typeface="Rubik"/>
-              <a:cs typeface="Rubik"/>
-              <a:sym typeface="Rubik"/>
+              <a:rPr lang="en-US" sz="1800" dirty="0">
+                <a:effectLst/>
+                <a:latin typeface="Calibri" panose="020F0502020204030204" pitchFamily="34" charset="0"/>
+                <a:hlinkClick r:id="rId5"/>
+              </a:rPr>
+              <a:t>https://documenter.getpostman.com/view/17930985/2s9YJXaQjF</a:t>
+            </a:r>
+            <a:endParaRPr lang="en-US" sz="1800" dirty="0">
+              <a:effectLst/>
+              <a:latin typeface="Calibri" panose="020F0502020204030204" pitchFamily="34" charset="0"/>
             </a:endParaRPr>
           </a:p>
         </p:txBody>
       </p:sp>
     </p:spTree>
+    <p:extLst>
+      <p:ext uri="{BB962C8B-B14F-4D97-AF65-F5344CB8AC3E}">
+        <p14:creationId xmlns:p14="http://schemas.microsoft.com/office/powerpoint/2010/main" val="553513104"/>
+      </p:ext>
+    </p:extLst>
   </p:cSld>
   <p:clrMapOvr>
     <a:masterClrMapping/>
@@ -9582,7 +9884,7 @@
 </p:sld>
 </file>
 
-<file path=ppt/slides/slide6.xml><?xml version="1.0" encoding="utf-8"?>
+<file path=ppt/slides/slide7.xml><?xml version="1.0" encoding="utf-8"?>
 <p:sld xmlns:a="http://schemas.openxmlformats.org/drawingml/2006/main" xmlns:r="http://schemas.openxmlformats.org/officeDocument/2006/relationships" xmlns:p="http://schemas.openxmlformats.org/presentationml/2006/main">
   <p:cSld>
     <p:spTree>
@@ -9615,7 +9917,7 @@
         </p:blipFill>
         <p:spPr>
           <a:xfrm>
-            <a:off x="0" y="0"/>
+            <a:off x="0" y="16394"/>
             <a:ext cx="9144001" cy="5143501"/>
           </a:xfrm>
           <a:prstGeom prst="rect">
@@ -9669,20 +9971,14 @@
               <a:buNone/>
             </a:pPr>
             <a:r>
-              <a:rPr lang="en" sz="4500" b="1">
-                <a:latin typeface="Rubik"/>
-                <a:ea typeface="Rubik"/>
-                <a:cs typeface="Rubik"/>
-                <a:sym typeface="Rubik"/>
-              </a:rPr>
-              <a:t>Insert Your Link Here</a:t>
-            </a:r>
-            <a:endParaRPr sz="4500" b="1">
-              <a:latin typeface="Rubik"/>
-              <a:ea typeface="Rubik"/>
-              <a:cs typeface="Rubik"/>
-              <a:sym typeface="Rubik"/>
-            </a:endParaRPr>
+              <a:rPr lang="en-ID" sz="4500" b="1" dirty="0">
+                <a:latin typeface="Rubik"/>
+                <a:ea typeface="Rubik"/>
+                <a:cs typeface="Rubik"/>
+                <a:sym typeface="Rubik"/>
+              </a:rPr>
+              <a:t>WEB AUTOMATION</a:t>
+            </a:r>
           </a:p>
         </p:txBody>
       </p:sp>
@@ -9748,33 +10044,15 @@
               <a:buNone/>
             </a:pPr>
             <a:r>
-              <a:rPr lang="en">
-                <a:latin typeface="Rubik"/>
-                <a:ea typeface="Rubik"/>
-                <a:cs typeface="Rubik"/>
-                <a:sym typeface="Rubik"/>
-              </a:rPr>
-              <a:t>You can add </a:t>
-            </a:r>
-            <a:r>
-              <a:rPr lang="en" b="1">
-                <a:latin typeface="Rubik"/>
-                <a:ea typeface="Rubik"/>
-                <a:cs typeface="Rubik"/>
-                <a:sym typeface="Rubik"/>
-              </a:rPr>
-              <a:t>link GitHub / Coda / Figma </a:t>
-            </a:r>
-            <a:r>
-              <a:rPr lang="en">
-                <a:latin typeface="Rubik"/>
-                <a:ea typeface="Rubik"/>
-                <a:cs typeface="Rubik"/>
-                <a:sym typeface="Rubik"/>
-              </a:rPr>
-              <a:t>also (optional)</a:t>
-            </a:r>
-            <a:endParaRPr i="1">
+              <a:rPr lang="en-US" dirty="0">
+                <a:latin typeface="Rubik"/>
+                <a:ea typeface="Rubik"/>
+                <a:cs typeface="Rubik"/>
+                <a:sym typeface="Rubik"/>
+              </a:rPr>
+              <a:t>https://github.com/dandisatrio/vip_finaltask_jubelio_qa</a:t>
+            </a:r>
+            <a:endParaRPr lang="en-US" i="1" dirty="0">
               <a:latin typeface="Rubik"/>
               <a:ea typeface="Rubik"/>
               <a:cs typeface="Rubik"/>
@@ -9791,7 +10069,7 @@
 </p:sld>
 </file>
 
-<file path=ppt/slides/slide7.xml><?xml version="1.0" encoding="utf-8"?>
+<file path=ppt/slides/slide8.xml><?xml version="1.0" encoding="utf-8"?>
 <p:sld xmlns:a="http://schemas.openxmlformats.org/drawingml/2006/main" xmlns:r="http://schemas.openxmlformats.org/officeDocument/2006/relationships" xmlns:p="http://schemas.openxmlformats.org/presentationml/2006/main">
   <p:cSld>
     <p:spTree>
@@ -9982,7 +10260,7 @@
 </p:sld>
 </file>
 
-<file path=ppt/slides/slide8.xml><?xml version="1.0" encoding="utf-8"?>
+<file path=ppt/slides/slide9.xml><?xml version="1.0" encoding="utf-8"?>
 <p:sld xmlns:a="http://schemas.openxmlformats.org/drawingml/2006/main" xmlns:r="http://schemas.openxmlformats.org/officeDocument/2006/relationships" xmlns:p="http://schemas.openxmlformats.org/presentationml/2006/main">
   <p:cSld>
     <p:bg>
@@ -10185,70 +10463,53 @@
           </a:p>
         </p:txBody>
       </p:sp>
-      <p:sp>
-        <p:nvSpPr>
-          <p:cNvPr id="131" name="Google Shape;131;p20"/>
-          <p:cNvSpPr/>
+      <p:pic>
+        <p:nvPicPr>
+          <p:cNvPr id="2" name="Picture 4" descr="Lowongan Magang, Trainee &amp; Fresh Graduate di Jubelio | Prosple Indonesia">
+            <a:extLst>
+              <a:ext uri="{FF2B5EF4-FFF2-40B4-BE49-F238E27FC236}">
+                <a16:creationId xmlns:a16="http://schemas.microsoft.com/office/drawing/2014/main" id="{95C874C8-8378-4BE2-1234-F37E880B9F0A}"/>
+              </a:ext>
+            </a:extLst>
+          </p:cNvPr>
+          <p:cNvPicPr>
+            <a:picLocks noChangeAspect="1" noChangeArrowheads="1"/>
+          </p:cNvPicPr>
           <p:nvPr/>
-        </p:nvSpPr>
-        <p:spPr>
+        </p:nvPicPr>
+        <p:blipFill>
+          <a:blip r:embed="rId5">
+            <a:extLst>
+              <a:ext uri="{28A0092B-C50C-407E-A947-70E740481C1C}">
+                <a14:useLocalDpi xmlns:a14="http://schemas.microsoft.com/office/drawing/2010/main" val="0"/>
+              </a:ext>
+            </a:extLst>
+          </a:blip>
+          <a:srcRect/>
+          <a:stretch>
+            <a:fillRect/>
+          </a:stretch>
+        </p:blipFill>
+        <p:spPr bwMode="auto">
           <a:xfrm>
-            <a:off x="4871775" y="4301225"/>
-            <a:ext cx="1538100" cy="541200"/>
+            <a:off x="4910349" y="4182579"/>
+            <a:ext cx="1753481" cy="701392"/>
           </a:xfrm>
           <a:prstGeom prst="rect">
             <a:avLst/>
           </a:prstGeom>
           <a:noFill/>
-          <a:ln w="19050" cap="flat" cmpd="sng">
-            <a:solidFill>
-              <a:schemeClr val="lt1"/>
-            </a:solidFill>
-            <a:prstDash val="solid"/>
-            <a:round/>
-            <a:headEnd type="none" w="sm" len="sm"/>
-            <a:tailEnd type="none" w="sm" len="sm"/>
-          </a:ln>
+          <a:extLst>
+            <a:ext uri="{909E8E84-426E-40DD-AFC4-6F175D3DCCD1}">
+              <a14:hiddenFill xmlns:a14="http://schemas.microsoft.com/office/drawing/2010/main">
+                <a:solidFill>
+                  <a:srgbClr val="FFFFFF"/>
+                </a:solidFill>
+              </a14:hiddenFill>
+            </a:ext>
+          </a:extLst>
         </p:spPr>
-        <p:txBody>
-          <a:bodyPr spcFirstLastPara="1" wrap="square" lIns="91425" tIns="91425" rIns="91425" bIns="91425" anchor="ctr" anchorCtr="0">
-            <a:noAutofit/>
-          </a:bodyPr>
-          <a:lstStyle/>
-          <a:p>
-            <a:pPr marL="0" lvl="0" indent="0" algn="ctr" rtl="0">
-              <a:spcBef>
-                <a:spcPts val="0"/>
-              </a:spcBef>
-              <a:spcAft>
-                <a:spcPts val="0"/>
-              </a:spcAft>
-              <a:buNone/>
-            </a:pPr>
-            <a:r>
-              <a:rPr lang="en">
-                <a:solidFill>
-                  <a:schemeClr val="lt1"/>
-                </a:solidFill>
-                <a:latin typeface="Rubik Medium"/>
-                <a:ea typeface="Rubik Medium"/>
-                <a:cs typeface="Rubik Medium"/>
-                <a:sym typeface="Rubik Medium"/>
-              </a:rPr>
-              <a:t>Logo Company</a:t>
-            </a:r>
-            <a:endParaRPr>
-              <a:solidFill>
-                <a:schemeClr val="lt1"/>
-              </a:solidFill>
-              <a:latin typeface="Rubik Medium"/>
-              <a:ea typeface="Rubik Medium"/>
-              <a:cs typeface="Rubik Medium"/>
-              <a:sym typeface="Rubik Medium"/>
-            </a:endParaRPr>
-          </a:p>
-        </p:txBody>
-      </p:sp>
+      </p:pic>
     </p:spTree>
   </p:cSld>
   <p:clrMapOvr>

--- a/FinalTask_Jubelio_QA_Bambang Satrio Gandhi.pptx
+++ b/FinalTask_Jubelio_QA_Bambang Satrio Gandhi.pptx
@@ -12,7 +12,7 @@
     <p:sldId id="258" r:id="rId3"/>
     <p:sldId id="259" r:id="rId4"/>
     <p:sldId id="264" r:id="rId5"/>
-    <p:sldId id="260" r:id="rId6"/>
+    <p:sldId id="266" r:id="rId6"/>
     <p:sldId id="265" r:id="rId7"/>
     <p:sldId id="261" r:id="rId8"/>
     <p:sldId id="262" r:id="rId9"/>
@@ -1264,6 +1264,11 @@
         </p:txBody>
       </p:sp>
     </p:spTree>
+    <p:extLst>
+      <p:ext uri="{BB962C8B-B14F-4D97-AF65-F5344CB8AC3E}">
+        <p14:creationId xmlns:p14="http://schemas.microsoft.com/office/powerpoint/2010/main" val="2779179167"/>
+      </p:ext>
+    </p:extLst>
   </p:cSld>
   <p:clrMapOvr>
     <a:masterClrMapping/>
@@ -9623,14 +9628,20 @@
       </p:pic>
       <p:sp>
         <p:nvSpPr>
-          <p:cNvPr id="106" name="Google Shape;106;p17"/>
+          <p:cNvPr id="6" name="Google Shape;106;p17">
+            <a:extLst>
+              <a:ext uri="{FF2B5EF4-FFF2-40B4-BE49-F238E27FC236}">
+                <a16:creationId xmlns:a16="http://schemas.microsoft.com/office/drawing/2014/main" id="{2A6A8EB5-FE6B-7D26-179F-5BC5B958D70D}"/>
+              </a:ext>
+            </a:extLst>
+          </p:cNvPr>
           <p:cNvSpPr txBox="1"/>
           <p:nvPr/>
         </p:nvSpPr>
         <p:spPr>
           <a:xfrm>
-            <a:off x="383550" y="1865268"/>
-            <a:ext cx="8376900" cy="2123628"/>
+            <a:off x="383550" y="1612069"/>
+            <a:ext cx="8376900" cy="3323957"/>
           </a:xfrm>
           <a:prstGeom prst="rect">
             <a:avLst/>
@@ -9646,7 +9657,17 @@
           </a:bodyPr>
           <a:lstStyle/>
           <a:p>
-            <a:pPr marL="0" marR="0">
+            <a:pPr algn="ctr"/>
+            <a:r>
+              <a:rPr lang="en-US" sz="1800" u="sng" dirty="0">
+                <a:latin typeface="Rubik" panose="020B0604020202020204" charset="-79"/>
+                <a:cs typeface="Rubik" panose="020B0604020202020204" charset="-79"/>
+              </a:rPr>
+              <a:t>Check more details at my Notion</a:t>
+            </a:r>
+          </a:p>
+          <a:p>
+            <a:pPr marL="0" marR="0" algn="ctr">
               <a:spcBef>
                 <a:spcPts val="0"/>
               </a:spcBef>
@@ -9654,37 +9675,267 @@
                 <a:spcPts val="0"/>
               </a:spcAft>
             </a:pPr>
-            <a:r>
-              <a:rPr lang="en-US" sz="1800" dirty="0">
+            <a:endParaRPr lang="en-US" sz="1800" dirty="0">
+              <a:solidFill>
+                <a:srgbClr val="0097A7"/>
+              </a:solidFill>
+              <a:effectLst/>
+              <a:latin typeface="Calibri" panose="020F0502020204030204" pitchFamily="34" charset="0"/>
+              <a:hlinkClick r:id="rId5">
+                <a:extLst>
+                  <a:ext uri="{A12FA001-AC4F-418D-AE19-62706E023703}">
+                    <ahyp:hlinkClr xmlns:ahyp="http://schemas.microsoft.com/office/drawing/2018/hyperlinkcolor" val="tx"/>
+                  </a:ext>
+                </a:extLst>
+              </a:hlinkClick>
+            </a:endParaRPr>
+          </a:p>
+          <a:p>
+            <a:pPr marL="0" marR="0" algn="ctr">
+              <a:spcBef>
+                <a:spcPts val="0"/>
+              </a:spcBef>
+              <a:spcAft>
+                <a:spcPts val="0"/>
+              </a:spcAft>
+            </a:pPr>
+            <a:r>
+              <a:rPr lang="en-US" sz="1600" dirty="0">
+                <a:solidFill>
+                  <a:srgbClr val="0097A7"/>
+                </a:solidFill>
                 <a:effectLst/>
                 <a:latin typeface="Calibri" panose="020F0502020204030204" pitchFamily="34" charset="0"/>
-                <a:hlinkClick r:id="rId5"/>
-              </a:rPr>
-              <a:t>https://itsdandisatrio.atlassian.net/browse/JP01-2?atlOrigin=eyJpIjoiNjdmMTdmNGI2Mzc5NGZmZGIzM2E4OWU1NDZjMjg1MjMiLCJwIjoiaiJ9</a:t>
-            </a:r>
-            <a:br>
+                <a:hlinkClick r:id="rId6">
+                  <a:extLst>
+                    <a:ext uri="{A12FA001-AC4F-418D-AE19-62706E023703}">
+                      <ahyp:hlinkClr xmlns:ahyp="http://schemas.microsoft.com/office/drawing/2018/hyperlinkcolor" val="tx"/>
+                    </a:ext>
+                  </a:extLst>
+                </a:hlinkClick>
+              </a:rPr>
+              <a:t>https://playful-slope-d9c.notion.site/Final-Task-Jubelio-Quality-Assurance-X-Rakamin-Academy-63456cf0f52b49cab74521de10bf1e5e?pvs=4</a:t>
+            </a:r>
+            <a:endParaRPr lang="en-US" sz="1600" dirty="0">
+              <a:solidFill>
+                <a:srgbClr val="0097A7"/>
+              </a:solidFill>
+              <a:effectLst/>
+              <a:latin typeface="Calibri" panose="020F0502020204030204" pitchFamily="34" charset="0"/>
+              <a:hlinkClick r:id="rId5">
+                <a:extLst>
+                  <a:ext uri="{A12FA001-AC4F-418D-AE19-62706E023703}">
+                    <ahyp:hlinkClr xmlns:ahyp="http://schemas.microsoft.com/office/drawing/2018/hyperlinkcolor" val="tx"/>
+                  </a:ext>
+                </a:extLst>
+              </a:hlinkClick>
+            </a:endParaRPr>
+          </a:p>
+          <a:p>
+            <a:pPr marL="0" marR="0" algn="ctr">
+              <a:spcBef>
+                <a:spcPts val="0"/>
+              </a:spcBef>
+              <a:spcAft>
+                <a:spcPts val="0"/>
+              </a:spcAft>
+            </a:pPr>
+            <a:endParaRPr lang="en-US" sz="1800" dirty="0">
+              <a:solidFill>
+                <a:srgbClr val="0097A7"/>
+              </a:solidFill>
+              <a:effectLst/>
+              <a:latin typeface="Calibri" panose="020F0502020204030204" pitchFamily="34" charset="0"/>
+              <a:hlinkClick r:id="rId5">
+                <a:extLst>
+                  <a:ext uri="{A12FA001-AC4F-418D-AE19-62706E023703}">
+                    <ahyp:hlinkClr xmlns:ahyp="http://schemas.microsoft.com/office/drawing/2018/hyperlinkcolor" val="tx"/>
+                  </a:ext>
+                </a:extLst>
+              </a:hlinkClick>
+            </a:endParaRPr>
+          </a:p>
+          <a:p>
+            <a:pPr marL="0" marR="0" algn="ctr">
+              <a:spcBef>
+                <a:spcPts val="0"/>
+              </a:spcBef>
+              <a:spcAft>
+                <a:spcPts val="0"/>
+              </a:spcAft>
+            </a:pPr>
+            <a:r>
               <a:rPr lang="en-US" sz="1800" dirty="0">
+                <a:solidFill>
+                  <a:schemeClr val="tx1"/>
+                </a:solidFill>
+                <a:latin typeface="Calibri" panose="020F0502020204030204" pitchFamily="34" charset="0"/>
+                <a:hlinkClick r:id="rId5">
+                  <a:extLst>
+                    <a:ext uri="{A12FA001-AC4F-418D-AE19-62706E023703}">
+                      <ahyp:hlinkClr xmlns:ahyp="http://schemas.microsoft.com/office/drawing/2018/hyperlinkcolor" val="tx"/>
+                    </a:ext>
+                  </a:extLst>
+                </a:hlinkClick>
+              </a:rPr>
+              <a:t>Jira </a:t>
+            </a:r>
+            <a:r>
+              <a:rPr lang="en-US" sz="1800" dirty="0" err="1">
+                <a:solidFill>
+                  <a:schemeClr val="tx1"/>
+                </a:solidFill>
+                <a:latin typeface="Calibri" panose="020F0502020204030204" pitchFamily="34" charset="0"/>
+                <a:hlinkClick r:id="rId5">
+                  <a:extLst>
+                    <a:ext uri="{A12FA001-AC4F-418D-AE19-62706E023703}">
+                      <ahyp:hlinkClr xmlns:ahyp="http://schemas.microsoft.com/office/drawing/2018/hyperlinkcolor" val="tx"/>
+                    </a:ext>
+                  </a:extLst>
+                </a:hlinkClick>
+              </a:rPr>
+              <a:t>Documetation</a:t>
+            </a:r>
+            <a:endParaRPr lang="en-US" sz="1800" dirty="0">
+              <a:solidFill>
+                <a:schemeClr val="tx1"/>
+              </a:solidFill>
+              <a:latin typeface="Calibri" panose="020F0502020204030204" pitchFamily="34" charset="0"/>
+              <a:hlinkClick r:id="rId5">
+                <a:extLst>
+                  <a:ext uri="{A12FA001-AC4F-418D-AE19-62706E023703}">
+                    <ahyp:hlinkClr xmlns:ahyp="http://schemas.microsoft.com/office/drawing/2018/hyperlinkcolor" val="tx"/>
+                  </a:ext>
+                </a:extLst>
+              </a:hlinkClick>
+            </a:endParaRPr>
+          </a:p>
+          <a:p>
+            <a:pPr marL="0" marR="0" algn="ctr">
+              <a:spcBef>
+                <a:spcPts val="0"/>
+              </a:spcBef>
+              <a:spcAft>
+                <a:spcPts val="0"/>
+              </a:spcAft>
+            </a:pPr>
+            <a:endParaRPr lang="en-US" sz="1800" dirty="0">
+              <a:solidFill>
+                <a:schemeClr val="tx1"/>
+              </a:solidFill>
+              <a:latin typeface="Calibri" panose="020F0502020204030204" pitchFamily="34" charset="0"/>
+              <a:hlinkClick r:id="rId5">
+                <a:extLst>
+                  <a:ext uri="{A12FA001-AC4F-418D-AE19-62706E023703}">
+                    <ahyp:hlinkClr xmlns:ahyp="http://schemas.microsoft.com/office/drawing/2018/hyperlinkcolor" val="tx"/>
+                  </a:ext>
+                </a:extLst>
+              </a:hlinkClick>
+            </a:endParaRPr>
+          </a:p>
+          <a:p>
+            <a:pPr marL="0" marR="0" algn="ctr">
+              <a:spcBef>
+                <a:spcPts val="0"/>
+              </a:spcBef>
+              <a:spcAft>
+                <a:spcPts val="0"/>
+              </a:spcAft>
+            </a:pPr>
+            <a:r>
+              <a:rPr lang="en-US" sz="1600" dirty="0">
+                <a:solidFill>
+                  <a:srgbClr val="0097A7"/>
+                </a:solidFill>
                 <a:effectLst/>
                 <a:latin typeface="Calibri" panose="020F0502020204030204" pitchFamily="34" charset="0"/>
-              </a:rPr>
-            </a:br>
-            <a:br>
-              <a:rPr lang="en-US" sz="1800" dirty="0">
+                <a:hlinkClick r:id="rId7">
+                  <a:extLst>
+                    <a:ext uri="{A12FA001-AC4F-418D-AE19-62706E023703}">
+                      <ahyp:hlinkClr xmlns:ahyp="http://schemas.microsoft.com/office/drawing/2018/hyperlinkcolor" val="tx"/>
+                    </a:ext>
+                  </a:extLst>
+                </a:hlinkClick>
+              </a:rPr>
+              <a:t>https://itsdandisatrio.atlassian.net/browse/JP-1?atlOrigin=eyJpIjoiZmQ4M2UyM2VmOWI0NDc2OGJkMjUzMmZhNmY5Y2E3YTEiLCJwIjoiaiJ9</a:t>
+            </a:r>
+            <a:endParaRPr lang="en-US" sz="1600" dirty="0">
+              <a:solidFill>
+                <a:srgbClr val="0097A7"/>
+              </a:solidFill>
+              <a:effectLst/>
+              <a:latin typeface="Calibri" panose="020F0502020204030204" pitchFamily="34" charset="0"/>
+              <a:hlinkClick r:id="rId8">
+                <a:extLst>
+                  <a:ext uri="{A12FA001-AC4F-418D-AE19-62706E023703}">
+                    <ahyp:hlinkClr xmlns:ahyp="http://schemas.microsoft.com/office/drawing/2018/hyperlinkcolor" val="tx"/>
+                  </a:ext>
+                </a:extLst>
+              </a:hlinkClick>
+            </a:endParaRPr>
+          </a:p>
+          <a:p>
+            <a:pPr marL="0" marR="0">
+              <a:spcBef>
+                <a:spcPts val="0"/>
+              </a:spcBef>
+              <a:spcAft>
+                <a:spcPts val="0"/>
+              </a:spcAft>
+            </a:pPr>
+            <a:endParaRPr lang="en-US" sz="1800" dirty="0">
+              <a:solidFill>
+                <a:srgbClr val="0097A7"/>
+              </a:solidFill>
+              <a:latin typeface="Calibri" panose="020F0502020204030204" pitchFamily="34" charset="0"/>
+              <a:hlinkClick r:id="rId8">
+                <a:extLst>
+                  <a:ext uri="{A12FA001-AC4F-418D-AE19-62706E023703}">
+                    <ahyp:hlinkClr xmlns:ahyp="http://schemas.microsoft.com/office/drawing/2018/hyperlinkcolor" val="tx"/>
+                  </a:ext>
+                </a:extLst>
+              </a:hlinkClick>
+            </a:endParaRPr>
+          </a:p>
+          <a:p>
+            <a:pPr marL="0" marR="0" algn="ctr">
+              <a:spcBef>
+                <a:spcPts val="0"/>
+              </a:spcBef>
+              <a:spcAft>
+                <a:spcPts val="0"/>
+              </a:spcAft>
+            </a:pPr>
+            <a:r>
+              <a:rPr lang="en-US" sz="1600" dirty="0">
+                <a:solidFill>
+                  <a:srgbClr val="0097A7"/>
+                </a:solidFill>
                 <a:effectLst/>
                 <a:latin typeface="Calibri" panose="020F0502020204030204" pitchFamily="34" charset="0"/>
-              </a:rPr>
-            </a:br>
-            <a:r>
-              <a:rPr lang="en-US" sz="1800" dirty="0">
-                <a:effectLst/>
-                <a:latin typeface="Calibri" panose="020F0502020204030204" pitchFamily="34" charset="0"/>
-              </a:rPr>
-              <a:t>https://itsdandisatrio.atlassian.net/browse/JP01-2?atlOrigin=eyJpIjoiZDc5OTA4ZWEwYjI2NDI2NWI2YmY3YTQwMTU5OTY2ZDQiLCJwIjoiaiJ9</a:t>
-            </a:r>
+                <a:hlinkClick r:id="rId9">
+                  <a:extLst>
+                    <a:ext uri="{A12FA001-AC4F-418D-AE19-62706E023703}">
+                      <ahyp:hlinkClr xmlns:ahyp="http://schemas.microsoft.com/office/drawing/2018/hyperlinkcolor" val="tx"/>
+                    </a:ext>
+                  </a:extLst>
+                </a:hlinkClick>
+              </a:rPr>
+              <a:t>https://itsdandisatrio.atlassian.net/browse/JP01-2?atlOrigin=eyJpIjoiMjQwZjYzY2UzYjg5NDhmODhjYjg3ODc2YjJkN2RmMDYiLCJwIjoiaiJ9</a:t>
+            </a:r>
+            <a:endParaRPr lang="en-US" sz="1800" dirty="0">
+              <a:effectLst/>
+              <a:latin typeface="Calibri" panose="020F0502020204030204" pitchFamily="34" charset="0"/>
+            </a:endParaRPr>
           </a:p>
         </p:txBody>
       </p:sp>
     </p:spTree>
+    <p:extLst>
+      <p:ext uri="{BB962C8B-B14F-4D97-AF65-F5344CB8AC3E}">
+        <p14:creationId xmlns:p14="http://schemas.microsoft.com/office/powerpoint/2010/main" val="3862570883"/>
+      </p:ext>
+    </p:extLst>
   </p:cSld>
   <p:clrMapOvr>
     <a:masterClrMapping/>
@@ -9745,7 +9996,7 @@
         </p:nvSpPr>
         <p:spPr>
           <a:xfrm>
-            <a:off x="340500" y="1899838"/>
+            <a:off x="340500" y="726925"/>
             <a:ext cx="8463000" cy="954300"/>
           </a:xfrm>
           <a:prstGeom prst="rect">
@@ -9831,8 +10082,8 @@
         </p:nvSpPr>
         <p:spPr>
           <a:xfrm>
-            <a:off x="340500" y="2843463"/>
-            <a:ext cx="8376900" cy="461635"/>
+            <a:off x="383550" y="2073550"/>
+            <a:ext cx="8376900" cy="2400627"/>
           </a:xfrm>
           <a:prstGeom prst="rect">
             <a:avLst/>
@@ -9848,6 +10099,16 @@
           </a:bodyPr>
           <a:lstStyle/>
           <a:p>
+            <a:pPr algn="ctr"/>
+            <a:r>
+              <a:rPr lang="en-US" sz="1800" u="sng" dirty="0">
+                <a:latin typeface="Rubik" panose="020B0604020202020204" charset="-79"/>
+                <a:cs typeface="Rubik" panose="020B0604020202020204" charset="-79"/>
+              </a:rPr>
+              <a:t>Check more details at my Notion</a:t>
+            </a:r>
+          </a:p>
+          <a:p>
             <a:pPr marL="0" marR="0" algn="ctr">
               <a:spcBef>
                 <a:spcPts val="0"/>
@@ -9856,11 +10117,159 @@
                 <a:spcPts val="0"/>
               </a:spcAft>
             </a:pPr>
+            <a:endParaRPr lang="en-US" sz="1800" dirty="0">
+              <a:solidFill>
+                <a:srgbClr val="0097A7"/>
+              </a:solidFill>
+              <a:effectLst/>
+              <a:latin typeface="Calibri" panose="020F0502020204030204" pitchFamily="34" charset="0"/>
+              <a:hlinkClick r:id="rId5">
+                <a:extLst>
+                  <a:ext uri="{A12FA001-AC4F-418D-AE19-62706E023703}">
+                    <ahyp:hlinkClr xmlns:ahyp="http://schemas.microsoft.com/office/drawing/2018/hyperlinkcolor" val="tx"/>
+                  </a:ext>
+                </a:extLst>
+              </a:hlinkClick>
+            </a:endParaRPr>
+          </a:p>
+          <a:p>
+            <a:pPr marL="0" marR="0" algn="ctr">
+              <a:spcBef>
+                <a:spcPts val="0"/>
+              </a:spcBef>
+              <a:spcAft>
+                <a:spcPts val="0"/>
+              </a:spcAft>
+            </a:pPr>
             <a:r>
               <a:rPr lang="en-US" sz="1800" dirty="0">
+                <a:solidFill>
+                  <a:srgbClr val="0097A7"/>
+                </a:solidFill>
                 <a:effectLst/>
                 <a:latin typeface="Calibri" panose="020F0502020204030204" pitchFamily="34" charset="0"/>
-                <a:hlinkClick r:id="rId5"/>
+                <a:hlinkClick r:id="rId6">
+                  <a:extLst>
+                    <a:ext uri="{A12FA001-AC4F-418D-AE19-62706E023703}">
+                      <ahyp:hlinkClr xmlns:ahyp="http://schemas.microsoft.com/office/drawing/2018/hyperlinkcolor" val="tx"/>
+                    </a:ext>
+                  </a:extLst>
+                </a:hlinkClick>
+              </a:rPr>
+              <a:t>https://playful-slope-d9c.notion.site/Final-Task-Jubelio-Quality-Assurance-X-Rakamin-Academy-63456cf0f52b49cab74521de10bf1e5e?pvs=4</a:t>
+            </a:r>
+            <a:endParaRPr lang="en-US" sz="1800" dirty="0">
+              <a:solidFill>
+                <a:srgbClr val="0097A7"/>
+              </a:solidFill>
+              <a:effectLst/>
+              <a:latin typeface="Calibri" panose="020F0502020204030204" pitchFamily="34" charset="0"/>
+              <a:hlinkClick r:id="rId5">
+                <a:extLst>
+                  <a:ext uri="{A12FA001-AC4F-418D-AE19-62706E023703}">
+                    <ahyp:hlinkClr xmlns:ahyp="http://schemas.microsoft.com/office/drawing/2018/hyperlinkcolor" val="tx"/>
+                  </a:ext>
+                </a:extLst>
+              </a:hlinkClick>
+            </a:endParaRPr>
+          </a:p>
+          <a:p>
+            <a:pPr marL="0" marR="0" algn="ctr">
+              <a:spcBef>
+                <a:spcPts val="0"/>
+              </a:spcBef>
+              <a:spcAft>
+                <a:spcPts val="0"/>
+              </a:spcAft>
+            </a:pPr>
+            <a:endParaRPr lang="en-US" sz="1800" dirty="0">
+              <a:solidFill>
+                <a:srgbClr val="0097A7"/>
+              </a:solidFill>
+              <a:effectLst/>
+              <a:latin typeface="Calibri" panose="020F0502020204030204" pitchFamily="34" charset="0"/>
+              <a:hlinkClick r:id="rId5">
+                <a:extLst>
+                  <a:ext uri="{A12FA001-AC4F-418D-AE19-62706E023703}">
+                    <ahyp:hlinkClr xmlns:ahyp="http://schemas.microsoft.com/office/drawing/2018/hyperlinkcolor" val="tx"/>
+                  </a:ext>
+                </a:extLst>
+              </a:hlinkClick>
+            </a:endParaRPr>
+          </a:p>
+          <a:p>
+            <a:pPr marL="0" marR="0" algn="ctr">
+              <a:spcBef>
+                <a:spcPts val="0"/>
+              </a:spcBef>
+              <a:spcAft>
+                <a:spcPts val="0"/>
+              </a:spcAft>
+            </a:pPr>
+            <a:endParaRPr lang="en-US" sz="1800" dirty="0">
+              <a:solidFill>
+                <a:srgbClr val="0097A7"/>
+              </a:solidFill>
+              <a:effectLst/>
+              <a:latin typeface="Calibri" panose="020F0502020204030204" pitchFamily="34" charset="0"/>
+              <a:hlinkClick r:id="rId5">
+                <a:extLst>
+                  <a:ext uri="{A12FA001-AC4F-418D-AE19-62706E023703}">
+                    <ahyp:hlinkClr xmlns:ahyp="http://schemas.microsoft.com/office/drawing/2018/hyperlinkcolor" val="tx"/>
+                  </a:ext>
+                </a:extLst>
+              </a:hlinkClick>
+            </a:endParaRPr>
+          </a:p>
+          <a:p>
+            <a:pPr marL="0" marR="0" algn="ctr">
+              <a:spcBef>
+                <a:spcPts val="0"/>
+              </a:spcBef>
+              <a:spcAft>
+                <a:spcPts val="0"/>
+              </a:spcAft>
+            </a:pPr>
+            <a:r>
+              <a:rPr lang="en-US" sz="1800" dirty="0">
+                <a:solidFill>
+                  <a:schemeClr val="tx1"/>
+                </a:solidFill>
+                <a:latin typeface="Calibri" panose="020F0502020204030204" pitchFamily="34" charset="0"/>
+                <a:hlinkClick r:id="rId5">
+                  <a:extLst>
+                    <a:ext uri="{A12FA001-AC4F-418D-AE19-62706E023703}">
+                      <ahyp:hlinkClr xmlns:ahyp="http://schemas.microsoft.com/office/drawing/2018/hyperlinkcolor" val="tx"/>
+                    </a:ext>
+                  </a:extLst>
+                </a:hlinkClick>
+              </a:rPr>
+              <a:t>Documentation Postman</a:t>
+            </a:r>
+          </a:p>
+          <a:p>
+            <a:pPr marL="0" marR="0" algn="ctr">
+              <a:spcBef>
+                <a:spcPts val="0"/>
+              </a:spcBef>
+              <a:spcAft>
+                <a:spcPts val="0"/>
+              </a:spcAft>
+            </a:pPr>
+            <a:r>
+              <a:rPr lang="en-US" sz="1800" dirty="0">
+                <a:solidFill>
+                  <a:srgbClr val="0097A7"/>
+                </a:solidFill>
+                <a:effectLst/>
+                <a:latin typeface="Calibri" panose="020F0502020204030204" pitchFamily="34" charset="0"/>
+                <a:hlinkClick r:id="rId5">
+                  <a:extLst>
+                    <a:ext uri="{A12FA001-AC4F-418D-AE19-62706E023703}">
+                      <ahyp:hlinkClr xmlns:ahyp="http://schemas.microsoft.com/office/drawing/2018/hyperlinkcolor" val="tx"/>
+                    </a:ext>
+                  </a:extLst>
+                </a:hlinkClick>
               </a:rPr>
               <a:t>https://documenter.getpostman.com/view/17930985/2s9YJXaQjF</a:t>
             </a:r>
@@ -9937,7 +10346,7 @@
         </p:nvSpPr>
         <p:spPr>
           <a:xfrm>
-            <a:off x="340500" y="1899838"/>
+            <a:off x="340500" y="807841"/>
             <a:ext cx="8463000" cy="877200"/>
           </a:xfrm>
           <a:prstGeom prst="rect">
@@ -10011,14 +10420,20 @@
       </p:pic>
       <p:sp>
         <p:nvSpPr>
-          <p:cNvPr id="114" name="Google Shape;114;p18"/>
+          <p:cNvPr id="2" name="Google Shape;106;p17">
+            <a:extLst>
+              <a:ext uri="{FF2B5EF4-FFF2-40B4-BE49-F238E27FC236}">
+                <a16:creationId xmlns:a16="http://schemas.microsoft.com/office/drawing/2014/main" id="{49E4E668-C042-998E-548B-1E15B8B9AB5B}"/>
+              </a:ext>
+            </a:extLst>
+          </p:cNvPr>
           <p:cNvSpPr txBox="1"/>
           <p:nvPr/>
         </p:nvSpPr>
         <p:spPr>
           <a:xfrm>
-            <a:off x="340500" y="2843463"/>
-            <a:ext cx="8376900" cy="400200"/>
+            <a:off x="426600" y="1765957"/>
+            <a:ext cx="8376900" cy="2677626"/>
           </a:xfrm>
           <a:prstGeom prst="rect">
             <a:avLst/>
@@ -10034,29 +10449,222 @@
           </a:bodyPr>
           <a:lstStyle/>
           <a:p>
-            <a:pPr marL="0" lvl="0" indent="0" algn="ctr" rtl="0">
-              <a:spcBef>
-                <a:spcPts val="0"/>
-              </a:spcBef>
-              <a:spcAft>
-                <a:spcPts val="0"/>
-              </a:spcAft>
-              <a:buNone/>
+            <a:pPr algn="ctr"/>
+            <a:r>
+              <a:rPr lang="en-US" sz="1800" u="sng" dirty="0">
+                <a:latin typeface="Rubik" panose="020B0604020202020204" charset="-79"/>
+                <a:cs typeface="Rubik" panose="020B0604020202020204" charset="-79"/>
+              </a:rPr>
+              <a:t>Check more details at my Notion</a:t>
+            </a:r>
+          </a:p>
+          <a:p>
+            <a:pPr marL="0" marR="0" algn="ctr">
+              <a:spcBef>
+                <a:spcPts val="0"/>
+              </a:spcBef>
+              <a:spcAft>
+                <a:spcPts val="0"/>
+              </a:spcAft>
             </a:pPr>
-            <a:r>
-              <a:rPr lang="en-US" dirty="0">
-                <a:latin typeface="Rubik"/>
-                <a:ea typeface="Rubik"/>
-                <a:cs typeface="Rubik"/>
-                <a:sym typeface="Rubik"/>
+            <a:endParaRPr lang="en-US" sz="1800" dirty="0">
+              <a:solidFill>
+                <a:srgbClr val="0097A7"/>
+              </a:solidFill>
+              <a:effectLst/>
+              <a:latin typeface="Calibri" panose="020F0502020204030204" pitchFamily="34" charset="0"/>
+              <a:hlinkClick r:id="rId5">
+                <a:extLst>
+                  <a:ext uri="{A12FA001-AC4F-418D-AE19-62706E023703}">
+                    <ahyp:hlinkClr xmlns:ahyp="http://schemas.microsoft.com/office/drawing/2018/hyperlinkcolor" val="tx"/>
+                  </a:ext>
+                </a:extLst>
+              </a:hlinkClick>
+            </a:endParaRPr>
+          </a:p>
+          <a:p>
+            <a:pPr marL="0" marR="0" algn="ctr">
+              <a:spcBef>
+                <a:spcPts val="0"/>
+              </a:spcBef>
+              <a:spcAft>
+                <a:spcPts val="0"/>
+              </a:spcAft>
+            </a:pPr>
+            <a:r>
+              <a:rPr lang="en-US" sz="1800" dirty="0">
+                <a:solidFill>
+                  <a:srgbClr val="0097A7"/>
+                </a:solidFill>
+                <a:effectLst/>
+                <a:latin typeface="Calibri" panose="020F0502020204030204" pitchFamily="34" charset="0"/>
+                <a:hlinkClick r:id="rId6">
+                  <a:extLst>
+                    <a:ext uri="{A12FA001-AC4F-418D-AE19-62706E023703}">
+                      <ahyp:hlinkClr xmlns:ahyp="http://schemas.microsoft.com/office/drawing/2018/hyperlinkcolor" val="tx"/>
+                    </a:ext>
+                  </a:extLst>
+                </a:hlinkClick>
+              </a:rPr>
+              <a:t>https://playful-slope-d9c.notion.site/Final-Task-Jubelio-Quality-Assurance-X-Rakamin-Academy-63456cf0f52b49cab74521de10bf1e5e?pvs=4</a:t>
+            </a:r>
+            <a:endParaRPr lang="en-US" sz="1800" dirty="0">
+              <a:solidFill>
+                <a:srgbClr val="0097A7"/>
+              </a:solidFill>
+              <a:effectLst/>
+              <a:latin typeface="Calibri" panose="020F0502020204030204" pitchFamily="34" charset="0"/>
+              <a:hlinkClick r:id="rId5">
+                <a:extLst>
+                  <a:ext uri="{A12FA001-AC4F-418D-AE19-62706E023703}">
+                    <ahyp:hlinkClr xmlns:ahyp="http://schemas.microsoft.com/office/drawing/2018/hyperlinkcolor" val="tx"/>
+                  </a:ext>
+                </a:extLst>
+              </a:hlinkClick>
+            </a:endParaRPr>
+          </a:p>
+          <a:p>
+            <a:pPr marL="0" marR="0" algn="ctr">
+              <a:spcBef>
+                <a:spcPts val="0"/>
+              </a:spcBef>
+              <a:spcAft>
+                <a:spcPts val="0"/>
+              </a:spcAft>
+            </a:pPr>
+            <a:endParaRPr lang="en-US" sz="1800" dirty="0">
+              <a:solidFill>
+                <a:srgbClr val="0097A7"/>
+              </a:solidFill>
+              <a:effectLst/>
+              <a:latin typeface="Calibri" panose="020F0502020204030204" pitchFamily="34" charset="0"/>
+              <a:hlinkClick r:id="rId5">
+                <a:extLst>
+                  <a:ext uri="{A12FA001-AC4F-418D-AE19-62706E023703}">
+                    <ahyp:hlinkClr xmlns:ahyp="http://schemas.microsoft.com/office/drawing/2018/hyperlinkcolor" val="tx"/>
+                  </a:ext>
+                </a:extLst>
+              </a:hlinkClick>
+            </a:endParaRPr>
+          </a:p>
+          <a:p>
+            <a:pPr marL="0" marR="0" algn="ctr">
+              <a:spcBef>
+                <a:spcPts val="0"/>
+              </a:spcBef>
+              <a:spcAft>
+                <a:spcPts val="0"/>
+              </a:spcAft>
+            </a:pPr>
+            <a:endParaRPr lang="en-US" sz="1800" dirty="0">
+              <a:solidFill>
+                <a:srgbClr val="0097A7"/>
+              </a:solidFill>
+              <a:effectLst/>
+              <a:latin typeface="Calibri" panose="020F0502020204030204" pitchFamily="34" charset="0"/>
+              <a:hlinkClick r:id="rId5">
+                <a:extLst>
+                  <a:ext uri="{A12FA001-AC4F-418D-AE19-62706E023703}">
+                    <ahyp:hlinkClr xmlns:ahyp="http://schemas.microsoft.com/office/drawing/2018/hyperlinkcolor" val="tx"/>
+                  </a:ext>
+                </a:extLst>
+              </a:hlinkClick>
+            </a:endParaRPr>
+          </a:p>
+          <a:p>
+            <a:pPr marL="0" marR="0" algn="ctr">
+              <a:spcBef>
+                <a:spcPts val="0"/>
+              </a:spcBef>
+              <a:spcAft>
+                <a:spcPts val="0"/>
+              </a:spcAft>
+            </a:pPr>
+            <a:r>
+              <a:rPr lang="en-US" sz="1800" dirty="0">
+                <a:solidFill>
+                  <a:schemeClr val="tx1"/>
+                </a:solidFill>
+                <a:latin typeface="Calibri" panose="020F0502020204030204" pitchFamily="34" charset="0"/>
+                <a:hlinkClick r:id="rId5">
+                  <a:extLst>
+                    <a:ext uri="{A12FA001-AC4F-418D-AE19-62706E023703}">
+                      <ahyp:hlinkClr xmlns:ahyp="http://schemas.microsoft.com/office/drawing/2018/hyperlinkcolor" val="tx"/>
+                    </a:ext>
+                  </a:extLst>
+                </a:hlinkClick>
+              </a:rPr>
+              <a:t>Documentation GitH</a:t>
+            </a:r>
+            <a:r>
+              <a:rPr lang="en-US" sz="1800" dirty="0">
+                <a:solidFill>
+                  <a:schemeClr val="tx1"/>
+                </a:solidFill>
+                <a:latin typeface="Calibri" panose="020F0502020204030204" pitchFamily="34" charset="0"/>
+                <a:hlinkClick r:id="rId5">
+                  <a:extLst>
+                    <a:ext uri="{A12FA001-AC4F-418D-AE19-62706E023703}">
+                      <ahyp:hlinkClr xmlns:ahyp="http://schemas.microsoft.com/office/drawing/2018/hyperlinkcolor" val="tx"/>
+                    </a:ext>
+                  </a:extLst>
+                </a:hlinkClick>
+              </a:rPr>
+              <a:t>ub</a:t>
+            </a:r>
+            <a:endParaRPr lang="en-US" sz="1800" dirty="0">
+              <a:solidFill>
+                <a:schemeClr val="tx1"/>
+              </a:solidFill>
+              <a:latin typeface="Calibri" panose="020F0502020204030204" pitchFamily="34" charset="0"/>
+              <a:hlinkClick r:id="rId5">
+                <a:extLst>
+                  <a:ext uri="{A12FA001-AC4F-418D-AE19-62706E023703}">
+                    <ahyp:hlinkClr xmlns:ahyp="http://schemas.microsoft.com/office/drawing/2018/hyperlinkcolor" val="tx"/>
+                  </a:ext>
+                </a:extLst>
+              </a:hlinkClick>
+            </a:endParaRPr>
+          </a:p>
+          <a:p>
+            <a:pPr marL="0" marR="0" algn="ctr">
+              <a:spcBef>
+                <a:spcPts val="0"/>
+              </a:spcBef>
+              <a:spcAft>
+                <a:spcPts val="0"/>
+              </a:spcAft>
+            </a:pPr>
+            <a:endParaRPr lang="en-US" sz="1800" dirty="0">
+              <a:solidFill>
+                <a:srgbClr val="0097A7"/>
+              </a:solidFill>
+              <a:effectLst/>
+              <a:latin typeface="Calibri" panose="020F0502020204030204" pitchFamily="34" charset="0"/>
+              <a:hlinkClick r:id="rId5">
+                <a:extLst>
+                  <a:ext uri="{A12FA001-AC4F-418D-AE19-62706E023703}">
+                    <ahyp:hlinkClr xmlns:ahyp="http://schemas.microsoft.com/office/drawing/2018/hyperlinkcolor" val="tx"/>
+                  </a:ext>
+                </a:extLst>
+              </a:hlinkClick>
+            </a:endParaRPr>
+          </a:p>
+          <a:p>
+            <a:pPr algn="ctr"/>
+            <a:r>
+              <a:rPr lang="en-US" sz="1800" dirty="0">
+                <a:latin typeface="Rubik"/>
+                <a:ea typeface="Rubik"/>
+                <a:cs typeface="Rubik"/>
+                <a:sym typeface="Rubik"/>
+                <a:hlinkClick r:id="rId7"/>
               </a:rPr>
               <a:t>https://github.com/dandisatrio/vip_finaltask_jubelio_qa</a:t>
             </a:r>
-            <a:endParaRPr lang="en-US" i="1" dirty="0">
-              <a:latin typeface="Rubik"/>
-              <a:ea typeface="Rubik"/>
-              <a:cs typeface="Rubik"/>
-              <a:sym typeface="Rubik"/>
+            <a:endParaRPr lang="en-US" sz="1800" dirty="0">
+              <a:effectLst/>
+              <a:latin typeface="Calibri" panose="020F0502020204030204" pitchFamily="34" charset="0"/>
             </a:endParaRPr>
           </a:p>
         </p:txBody>
@@ -10156,20 +10764,14 @@
               <a:buNone/>
             </a:pPr>
             <a:r>
-              <a:rPr lang="en" sz="5000" b="1">
-                <a:latin typeface="Rubik"/>
-                <a:ea typeface="Rubik"/>
-                <a:cs typeface="Rubik"/>
-                <a:sym typeface="Rubik"/>
-              </a:rPr>
-              <a:t>Video Presentation Here</a:t>
-            </a:r>
-            <a:endParaRPr sz="5000" b="1">
-              <a:latin typeface="Rubik"/>
-              <a:ea typeface="Rubik"/>
-              <a:cs typeface="Rubik"/>
-              <a:sym typeface="Rubik"/>
-            </a:endParaRPr>
+              <a:rPr lang="en-ID" sz="5000" b="1" dirty="0">
+                <a:latin typeface="Rubik"/>
+                <a:ea typeface="Rubik"/>
+                <a:cs typeface="Rubik"/>
+                <a:sym typeface="Rubik"/>
+              </a:rPr>
+              <a:t>Video Presentation</a:t>
+            </a:r>
           </a:p>
         </p:txBody>
       </p:sp>
@@ -10209,7 +10811,7 @@
         <p:spPr>
           <a:xfrm>
             <a:off x="340500" y="2843463"/>
-            <a:ext cx="8376900" cy="400200"/>
+            <a:ext cx="8376900" cy="615523"/>
           </a:xfrm>
           <a:prstGeom prst="rect">
             <a:avLst/>
@@ -10235,15 +10837,33 @@
               <a:buNone/>
             </a:pPr>
             <a:r>
-              <a:rPr lang="en">
-                <a:latin typeface="Rubik"/>
-                <a:ea typeface="Rubik"/>
-                <a:cs typeface="Rubik"/>
-                <a:sym typeface="Rubik"/>
-              </a:rPr>
-              <a:t>Please insert your link video here (You can upload the video on YouTube or Google Drive first)!</a:t>
-            </a:r>
-            <a:endParaRPr>
+              <a:rPr lang="en-ID" dirty="0">
+                <a:latin typeface="Rubik"/>
+                <a:ea typeface="Rubik"/>
+                <a:cs typeface="Rubik"/>
+                <a:sym typeface="Rubik"/>
+                <a:hlinkClick r:id="rId5"/>
+              </a:rPr>
+              <a:t>https://youtu.be/1WD8q86OskA?si=ShfeAb6Mi-iVQUoC</a:t>
+            </a:r>
+            <a:endParaRPr lang="en-ID" dirty="0">
+              <a:latin typeface="Rubik"/>
+              <a:ea typeface="Rubik"/>
+              <a:cs typeface="Rubik"/>
+              <a:sym typeface="Rubik"/>
+            </a:endParaRPr>
+          </a:p>
+          <a:p>
+            <a:pPr marL="0" lvl="0" indent="0" algn="ctr" rtl="0">
+              <a:spcBef>
+                <a:spcPts val="0"/>
+              </a:spcBef>
+              <a:spcAft>
+                <a:spcPts val="0"/>
+              </a:spcAft>
+              <a:buNone/>
+            </a:pPr>
+            <a:endParaRPr lang="en-ID" dirty="0">
               <a:latin typeface="Rubik"/>
               <a:ea typeface="Rubik"/>
               <a:cs typeface="Rubik"/>
